--- a/pics/2019-08-25_curl/pics.pptx
+++ b/pics/2019-08-25_curl/pics.pptx
@@ -6,10 +6,12 @@
   </p:sldMasterIdLst>
   <p:sldIdLst>
     <p:sldId id="260" r:id="rId2"/>
-    <p:sldId id="261" r:id="rId3"/>
-    <p:sldId id="262" r:id="rId4"/>
-    <p:sldId id="263" r:id="rId5"/>
-    <p:sldId id="264" r:id="rId6"/>
+    <p:sldId id="265" r:id="rId3"/>
+    <p:sldId id="261" r:id="rId4"/>
+    <p:sldId id="266" r:id="rId5"/>
+    <p:sldId id="262" r:id="rId6"/>
+    <p:sldId id="263" r:id="rId7"/>
+    <p:sldId id="264" r:id="rId8"/>
   </p:sldIdLst>
   <p:sldSz cx="9144000" cy="6858000" type="screen4x3"/>
   <p:notesSz cx="6858000" cy="9144000"/>
@@ -247,7 +249,7 @@
           <a:p>
             <a:fld id="{2A9FF36E-3382-493D-8764-F634F234F60C}" type="datetimeFigureOut">
               <a:rPr lang="ko-KR" altLang="en-US" smtClean="0"/>
-              <a:t>2019-08-25</a:t>
+              <a:t>2023-04-21</a:t>
             </a:fld>
             <a:endParaRPr lang="ko-KR" altLang="en-US"/>
           </a:p>
@@ -417,7 +419,7 @@
           <a:p>
             <a:fld id="{2A9FF36E-3382-493D-8764-F634F234F60C}" type="datetimeFigureOut">
               <a:rPr lang="ko-KR" altLang="en-US" smtClean="0"/>
-              <a:t>2019-08-25</a:t>
+              <a:t>2023-04-21</a:t>
             </a:fld>
             <a:endParaRPr lang="ko-KR" altLang="en-US"/>
           </a:p>
@@ -597,7 +599,7 @@
           <a:p>
             <a:fld id="{2A9FF36E-3382-493D-8764-F634F234F60C}" type="datetimeFigureOut">
               <a:rPr lang="ko-KR" altLang="en-US" smtClean="0"/>
-              <a:t>2019-08-25</a:t>
+              <a:t>2023-04-21</a:t>
             </a:fld>
             <a:endParaRPr lang="ko-KR" altLang="en-US"/>
           </a:p>
@@ -767,7 +769,7 @@
           <a:p>
             <a:fld id="{2A9FF36E-3382-493D-8764-F634F234F60C}" type="datetimeFigureOut">
               <a:rPr lang="ko-KR" altLang="en-US" smtClean="0"/>
-              <a:t>2019-08-25</a:t>
+              <a:t>2023-04-21</a:t>
             </a:fld>
             <a:endParaRPr lang="ko-KR" altLang="en-US"/>
           </a:p>
@@ -1011,7 +1013,7 @@
           <a:p>
             <a:fld id="{2A9FF36E-3382-493D-8764-F634F234F60C}" type="datetimeFigureOut">
               <a:rPr lang="ko-KR" altLang="en-US" smtClean="0"/>
-              <a:t>2019-08-25</a:t>
+              <a:t>2023-04-21</a:t>
             </a:fld>
             <a:endParaRPr lang="ko-KR" altLang="en-US"/>
           </a:p>
@@ -1243,7 +1245,7 @@
           <a:p>
             <a:fld id="{2A9FF36E-3382-493D-8764-F634F234F60C}" type="datetimeFigureOut">
               <a:rPr lang="ko-KR" altLang="en-US" smtClean="0"/>
-              <a:t>2019-08-25</a:t>
+              <a:t>2023-04-21</a:t>
             </a:fld>
             <a:endParaRPr lang="ko-KR" altLang="en-US"/>
           </a:p>
@@ -1610,7 +1612,7 @@
           <a:p>
             <a:fld id="{2A9FF36E-3382-493D-8764-F634F234F60C}" type="datetimeFigureOut">
               <a:rPr lang="ko-KR" altLang="en-US" smtClean="0"/>
-              <a:t>2019-08-25</a:t>
+              <a:t>2023-04-21</a:t>
             </a:fld>
             <a:endParaRPr lang="ko-KR" altLang="en-US"/>
           </a:p>
@@ -1728,7 +1730,7 @@
           <a:p>
             <a:fld id="{2A9FF36E-3382-493D-8764-F634F234F60C}" type="datetimeFigureOut">
               <a:rPr lang="ko-KR" altLang="en-US" smtClean="0"/>
-              <a:t>2019-08-25</a:t>
+              <a:t>2023-04-21</a:t>
             </a:fld>
             <a:endParaRPr lang="ko-KR" altLang="en-US"/>
           </a:p>
@@ -1823,7 +1825,7 @@
           <a:p>
             <a:fld id="{2A9FF36E-3382-493D-8764-F634F234F60C}" type="datetimeFigureOut">
               <a:rPr lang="ko-KR" altLang="en-US" smtClean="0"/>
-              <a:t>2019-08-25</a:t>
+              <a:t>2023-04-21</a:t>
             </a:fld>
             <a:endParaRPr lang="ko-KR" altLang="en-US"/>
           </a:p>
@@ -2100,7 +2102,7 @@
           <a:p>
             <a:fld id="{2A9FF36E-3382-493D-8764-F634F234F60C}" type="datetimeFigureOut">
               <a:rPr lang="ko-KR" altLang="en-US" smtClean="0"/>
-              <a:t>2019-08-25</a:t>
+              <a:t>2023-04-21</a:t>
             </a:fld>
             <a:endParaRPr lang="ko-KR" altLang="en-US"/>
           </a:p>
@@ -2357,7 +2359,7 @@
           <a:p>
             <a:fld id="{2A9FF36E-3382-493D-8764-F634F234F60C}" type="datetimeFigureOut">
               <a:rPr lang="ko-KR" altLang="en-US" smtClean="0"/>
-              <a:t>2019-08-25</a:t>
+              <a:t>2023-04-21</a:t>
             </a:fld>
             <a:endParaRPr lang="ko-KR" altLang="en-US"/>
           </a:p>
@@ -2570,7 +2572,7 @@
           <a:p>
             <a:fld id="{2A9FF36E-3382-493D-8764-F634F234F60C}" type="datetimeFigureOut">
               <a:rPr lang="ko-KR" altLang="en-US" smtClean="0"/>
-              <a:t>2019-08-25</a:t>
+              <a:t>2023-04-21</a:t>
             </a:fld>
             <a:endParaRPr lang="ko-KR" altLang="en-US"/>
           </a:p>
@@ -3103,7 +3105,7 @@
           <a:lstStyle/>
           <a:p>
             <a:r>
-              <a:rPr lang="ko-KR" altLang="en-US"/>
+              <a:rPr lang="ko-KR" altLang="en-US" dirty="0"/>
               <a:t>강물에 놓인 막대기</a:t>
             </a:r>
           </a:p>
@@ -3123,6 +3125,189 @@
 </file>
 
 <file path=ppt/slides/slide2.xml><?xml version="1.0" encoding="utf-8"?>
+<p:sld xmlns:a="http://schemas.openxmlformats.org/drawingml/2006/main" xmlns:r="http://schemas.openxmlformats.org/officeDocument/2006/relationships" xmlns:p="http://schemas.openxmlformats.org/presentationml/2006/main">
+  <p:cSld>
+    <p:spTree>
+      <p:nvGrpSpPr>
+        <p:cNvPr id="1" name=""/>
+        <p:cNvGrpSpPr/>
+        <p:nvPr/>
+      </p:nvGrpSpPr>
+      <p:grpSpPr>
+        <a:xfrm>
+          <a:off x="0" y="0"/>
+          <a:ext cx="0" cy="0"/>
+          <a:chOff x="0" y="0"/>
+          <a:chExt cx="0" cy="0"/>
+        </a:xfrm>
+      </p:grpSpPr>
+      <p:pic>
+        <p:nvPicPr>
+          <p:cNvPr id="13" name="그림 12"/>
+          <p:cNvPicPr>
+            <a:picLocks noChangeAspect="1"/>
+          </p:cNvPicPr>
+          <p:nvPr/>
+        </p:nvPicPr>
+        <p:blipFill>
+          <a:blip r:embed="rId2"/>
+          <a:stretch>
+            <a:fillRect/>
+          </a:stretch>
+        </p:blipFill>
+        <p:spPr>
+          <a:xfrm>
+            <a:off x="993775" y="682109"/>
+            <a:ext cx="7213600" cy="5410200"/>
+          </a:xfrm>
+          <a:prstGeom prst="rect">
+            <a:avLst/>
+          </a:prstGeom>
+        </p:spPr>
+      </p:pic>
+      <p:sp>
+        <p:nvSpPr>
+          <p:cNvPr id="5" name="직사각형 4"/>
+          <p:cNvSpPr/>
+          <p:nvPr/>
+        </p:nvSpPr>
+        <p:spPr>
+          <a:xfrm>
+            <a:off x="4281487" y="1276350"/>
+            <a:ext cx="85725" cy="1990725"/>
+          </a:xfrm>
+          <a:prstGeom prst="rect">
+            <a:avLst/>
+          </a:prstGeom>
+          <a:ln w="19050">
+            <a:solidFill>
+              <a:schemeClr val="tx1"/>
+            </a:solidFill>
+          </a:ln>
+        </p:spPr>
+        <p:style>
+          <a:lnRef idx="2">
+            <a:schemeClr val="accent2">
+              <a:shade val="50000"/>
+            </a:schemeClr>
+          </a:lnRef>
+          <a:fillRef idx="1">
+            <a:schemeClr val="accent2"/>
+          </a:fillRef>
+          <a:effectRef idx="0">
+            <a:schemeClr val="accent2"/>
+          </a:effectRef>
+          <a:fontRef idx="minor">
+            <a:schemeClr val="lt1"/>
+          </a:fontRef>
+        </p:style>
+        <p:txBody>
+          <a:bodyPr rtlCol="0" anchor="ctr"/>
+          <a:lstStyle/>
+          <a:p>
+            <a:pPr algn="ctr"/>
+            <a:endParaRPr lang="ko-KR" altLang="en-US"/>
+          </a:p>
+        </p:txBody>
+      </p:sp>
+      <p:cxnSp>
+        <p:nvCxnSpPr>
+          <p:cNvPr id="7" name="직선 화살표 연결선 6"/>
+          <p:cNvCxnSpPr/>
+          <p:nvPr/>
+        </p:nvCxnSpPr>
+        <p:spPr>
+          <a:xfrm flipH="1">
+            <a:off x="4324349" y="1009650"/>
+            <a:ext cx="733426" cy="809625"/>
+          </a:xfrm>
+          <a:prstGeom prst="straightConnector1">
+            <a:avLst/>
+          </a:prstGeom>
+          <a:ln w="38100">
+            <a:solidFill>
+              <a:srgbClr val="FF0000"/>
+            </a:solidFill>
+            <a:tailEnd type="triangle"/>
+          </a:ln>
+        </p:spPr>
+        <p:style>
+          <a:lnRef idx="1">
+            <a:schemeClr val="accent1"/>
+          </a:lnRef>
+          <a:fillRef idx="0">
+            <a:schemeClr val="accent1"/>
+          </a:fillRef>
+          <a:effectRef idx="0">
+            <a:schemeClr val="accent1"/>
+          </a:effectRef>
+          <a:fontRef idx="minor">
+            <a:schemeClr val="tx1"/>
+          </a:fontRef>
+        </p:style>
+      </p:cxnSp>
+      <p:sp>
+        <p:nvSpPr>
+          <p:cNvPr id="11" name="TextBox 10"/>
+          <p:cNvSpPr txBox="1"/>
+          <p:nvPr/>
+        </p:nvSpPr>
+        <p:spPr>
+          <a:xfrm>
+            <a:off x="4772025" y="682109"/>
+            <a:ext cx="2406428" cy="369332"/>
+          </a:xfrm>
+          <a:prstGeom prst="rect">
+            <a:avLst/>
+          </a:prstGeom>
+          <a:noFill/>
+        </p:spPr>
+        <p:txBody>
+          <a:bodyPr wrap="none" rtlCol="0">
+            <a:spAutoFit/>
+          </a:bodyPr>
+          <a:lstStyle/>
+          <a:p>
+            <a:pPr marL="0" algn="l" rtl="0" eaLnBrk="1" latinLnBrk="0" hangingPunct="1">
+              <a:spcBef>
+                <a:spcPts val="0"/>
+              </a:spcBef>
+              <a:spcAft>
+                <a:spcPts val="0"/>
+              </a:spcAft>
+            </a:pPr>
+            <a:r>
+              <a:rPr lang="en-US" sz="1800" kern="1200" dirty="0">
+                <a:solidFill>
+                  <a:srgbClr val="000000"/>
+                </a:solidFill>
+                <a:effectLst/>
+                <a:latin typeface="Calibri" panose="020F0502020204030204" pitchFamily="34" charset="0"/>
+                <a:ea typeface="맑은 고딕" panose="020B0503020000020004" pitchFamily="50" charset="-127"/>
+                <a:cs typeface="+mn-cs"/>
+              </a:rPr>
+              <a:t>A stick placed on a river</a:t>
+            </a:r>
+            <a:endParaRPr lang="en-US" dirty="0">
+              <a:effectLst/>
+            </a:endParaRPr>
+          </a:p>
+        </p:txBody>
+      </p:sp>
+    </p:spTree>
+    <p:extLst>
+      <p:ext uri="{BB962C8B-B14F-4D97-AF65-F5344CB8AC3E}">
+        <p14:creationId xmlns:p14="http://schemas.microsoft.com/office/powerpoint/2010/main" val="2721621038"/>
+      </p:ext>
+    </p:extLst>
+  </p:cSld>
+  <p:clrMapOvr>
+    <a:masterClrMapping/>
+  </p:clrMapOvr>
+</p:sld>
+</file>
+
+<file path=ppt/slides/slide3.xml><?xml version="1.0" encoding="utf-8"?>
 <p:sld xmlns:a="http://schemas.openxmlformats.org/drawingml/2006/main" xmlns:r="http://schemas.openxmlformats.org/officeDocument/2006/relationships" xmlns:p="http://schemas.openxmlformats.org/presentationml/2006/main">
   <p:cSld>
     <p:spTree>
@@ -3286,7 +3471,190 @@
 </p:sld>
 </file>
 
-<file path=ppt/slides/slide3.xml><?xml version="1.0" encoding="utf-8"?>
+<file path=ppt/slides/slide4.xml><?xml version="1.0" encoding="utf-8"?>
+<p:sld xmlns:a="http://schemas.openxmlformats.org/drawingml/2006/main" xmlns:r="http://schemas.openxmlformats.org/officeDocument/2006/relationships" xmlns:p="http://schemas.openxmlformats.org/presentationml/2006/main">
+  <p:cSld>
+    <p:spTree>
+      <p:nvGrpSpPr>
+        <p:cNvPr id="1" name=""/>
+        <p:cNvGrpSpPr/>
+        <p:nvPr/>
+      </p:nvGrpSpPr>
+      <p:grpSpPr>
+        <a:xfrm>
+          <a:off x="0" y="0"/>
+          <a:ext cx="0" cy="0"/>
+          <a:chOff x="0" y="0"/>
+          <a:chExt cx="0" cy="0"/>
+        </a:xfrm>
+      </p:grpSpPr>
+      <p:pic>
+        <p:nvPicPr>
+          <p:cNvPr id="13" name="그림 12"/>
+          <p:cNvPicPr>
+            <a:picLocks noChangeAspect="1"/>
+          </p:cNvPicPr>
+          <p:nvPr/>
+        </p:nvPicPr>
+        <p:blipFill>
+          <a:blip r:embed="rId2"/>
+          <a:stretch>
+            <a:fillRect/>
+          </a:stretch>
+        </p:blipFill>
+        <p:spPr>
+          <a:xfrm>
+            <a:off x="993775" y="682109"/>
+            <a:ext cx="7213600" cy="5410200"/>
+          </a:xfrm>
+          <a:prstGeom prst="rect">
+            <a:avLst/>
+          </a:prstGeom>
+        </p:spPr>
+      </p:pic>
+      <p:sp>
+        <p:nvSpPr>
+          <p:cNvPr id="5" name="직사각형 4"/>
+          <p:cNvSpPr/>
+          <p:nvPr/>
+        </p:nvSpPr>
+        <p:spPr>
+          <a:xfrm rot="5400000">
+            <a:off x="4281487" y="1276350"/>
+            <a:ext cx="85725" cy="1990725"/>
+          </a:xfrm>
+          <a:prstGeom prst="rect">
+            <a:avLst/>
+          </a:prstGeom>
+          <a:ln w="19050">
+            <a:solidFill>
+              <a:schemeClr val="tx1"/>
+            </a:solidFill>
+          </a:ln>
+        </p:spPr>
+        <p:style>
+          <a:lnRef idx="2">
+            <a:schemeClr val="accent2">
+              <a:shade val="50000"/>
+            </a:schemeClr>
+          </a:lnRef>
+          <a:fillRef idx="1">
+            <a:schemeClr val="accent2"/>
+          </a:fillRef>
+          <a:effectRef idx="0">
+            <a:schemeClr val="accent2"/>
+          </a:effectRef>
+          <a:fontRef idx="minor">
+            <a:schemeClr val="lt1"/>
+          </a:fontRef>
+        </p:style>
+        <p:txBody>
+          <a:bodyPr rtlCol="0" anchor="ctr"/>
+          <a:lstStyle/>
+          <a:p>
+            <a:pPr algn="ctr"/>
+            <a:endParaRPr lang="ko-KR" altLang="en-US"/>
+          </a:p>
+        </p:txBody>
+      </p:sp>
+      <p:cxnSp>
+        <p:nvCxnSpPr>
+          <p:cNvPr id="7" name="직선 화살표 연결선 6"/>
+          <p:cNvCxnSpPr/>
+          <p:nvPr/>
+        </p:nvCxnSpPr>
+        <p:spPr>
+          <a:xfrm flipH="1">
+            <a:off x="4600575" y="1462087"/>
+            <a:ext cx="733426" cy="809625"/>
+          </a:xfrm>
+          <a:prstGeom prst="straightConnector1">
+            <a:avLst/>
+          </a:prstGeom>
+          <a:ln w="38100">
+            <a:solidFill>
+              <a:srgbClr val="FF0000"/>
+            </a:solidFill>
+            <a:tailEnd type="triangle"/>
+          </a:ln>
+        </p:spPr>
+        <p:style>
+          <a:lnRef idx="1">
+            <a:schemeClr val="accent1"/>
+          </a:lnRef>
+          <a:fillRef idx="0">
+            <a:schemeClr val="accent1"/>
+          </a:fillRef>
+          <a:effectRef idx="0">
+            <a:schemeClr val="accent1"/>
+          </a:effectRef>
+          <a:fontRef idx="minor">
+            <a:schemeClr val="tx1"/>
+          </a:fontRef>
+        </p:style>
+      </p:cxnSp>
+      <p:sp>
+        <p:nvSpPr>
+          <p:cNvPr id="11" name="TextBox 10"/>
+          <p:cNvSpPr txBox="1"/>
+          <p:nvPr/>
+        </p:nvSpPr>
+        <p:spPr>
+          <a:xfrm>
+            <a:off x="5319712" y="1260217"/>
+            <a:ext cx="2406428" cy="369332"/>
+          </a:xfrm>
+          <a:prstGeom prst="rect">
+            <a:avLst/>
+          </a:prstGeom>
+          <a:noFill/>
+        </p:spPr>
+        <p:txBody>
+          <a:bodyPr wrap="none" rtlCol="0">
+            <a:spAutoFit/>
+          </a:bodyPr>
+          <a:lstStyle/>
+          <a:p>
+            <a:pPr marL="0" algn="l" rtl="0" eaLnBrk="1" latinLnBrk="0" hangingPunct="1">
+              <a:spcBef>
+                <a:spcPts val="0"/>
+              </a:spcBef>
+              <a:spcAft>
+                <a:spcPts val="0"/>
+              </a:spcAft>
+            </a:pPr>
+            <a:r>
+              <a:rPr lang="en-US" sz="1800" kern="1200" dirty="0">
+                <a:solidFill>
+                  <a:srgbClr val="000000"/>
+                </a:solidFill>
+                <a:effectLst/>
+                <a:latin typeface="Calibri" panose="020F0502020204030204" pitchFamily="34" charset="0"/>
+                <a:ea typeface="맑은 고딕" panose="020B0503020000020004" pitchFamily="50" charset="-127"/>
+                <a:cs typeface="+mn-cs"/>
+              </a:rPr>
+              <a:t>A stick placed on a river</a:t>
+            </a:r>
+            <a:endParaRPr lang="en-US" dirty="0">
+              <a:effectLst/>
+            </a:endParaRPr>
+          </a:p>
+        </p:txBody>
+      </p:sp>
+    </p:spTree>
+    <p:extLst>
+      <p:ext uri="{BB962C8B-B14F-4D97-AF65-F5344CB8AC3E}">
+        <p14:creationId xmlns:p14="http://schemas.microsoft.com/office/powerpoint/2010/main" val="794059548"/>
+      </p:ext>
+    </p:extLst>
+  </p:cSld>
+  <p:clrMapOvr>
+    <a:masterClrMapping/>
+  </p:clrMapOvr>
+</p:sld>
+</file>
+
+<file path=ppt/slides/slide5.xml><?xml version="1.0" encoding="utf-8"?>
 <p:sld xmlns:a="http://schemas.openxmlformats.org/drawingml/2006/main" xmlns:r="http://schemas.openxmlformats.org/officeDocument/2006/relationships" xmlns:p="http://schemas.openxmlformats.org/presentationml/2006/main">
   <p:cSld>
     <p:spTree>
@@ -4585,7 +4953,7 @@
 </p:sld>
 </file>
 
-<file path=ppt/slides/slide4.xml><?xml version="1.0" encoding="utf-8"?>
+<file path=ppt/slides/slide6.xml><?xml version="1.0" encoding="utf-8"?>
 <p:sld xmlns:a="http://schemas.openxmlformats.org/drawingml/2006/main" xmlns:r="http://schemas.openxmlformats.org/officeDocument/2006/relationships" xmlns:p="http://schemas.openxmlformats.org/presentationml/2006/main">
   <p:cSld>
     <p:spTree>
@@ -6759,7 +7127,7 @@
 </p:sld>
 </file>
 
-<file path=ppt/slides/slide5.xml><?xml version="1.0" encoding="utf-8"?>
+<file path=ppt/slides/slide7.xml><?xml version="1.0" encoding="utf-8"?>
 <p:sld xmlns:a="http://schemas.openxmlformats.org/drawingml/2006/main" xmlns:r="http://schemas.openxmlformats.org/officeDocument/2006/relationships" xmlns:p="http://schemas.openxmlformats.org/presentationml/2006/main">
   <p:cSld>
     <p:spTree>
